--- a/Presentations/Lab_4_Smapling_and_filtering.pptx
+++ b/Presentations/Lab_4_Smapling_and_filtering.pptx
@@ -5,16 +5,16 @@
     <p:sldMasterId id="2147483648" r:id="rId1"/>
   </p:sldMasterIdLst>
   <p:notesMasterIdLst>
-    <p:notesMasterId r:id="rId10"/>
+    <p:notesMasterId r:id="rId9"/>
   </p:notesMasterIdLst>
   <p:sldIdLst>
-    <p:sldId id="256" r:id="rId3"/>
-    <p:sldId id="261" r:id="rId4"/>
-    <p:sldId id="301" r:id="rId5"/>
-    <p:sldId id="274" r:id="rId6"/>
-    <p:sldId id="304" r:id="rId7"/>
-    <p:sldId id="305" r:id="rId8"/>
-    <p:sldId id="260" r:id="rId9"/>
+    <p:sldId id="256" r:id="rId2"/>
+    <p:sldId id="261" r:id="rId3"/>
+    <p:sldId id="301" r:id="rId4"/>
+    <p:sldId id="274" r:id="rId5"/>
+    <p:sldId id="304" r:id="rId6"/>
+    <p:sldId id="305" r:id="rId7"/>
+    <p:sldId id="260" r:id="rId8"/>
   </p:sldIdLst>
   <p:sldSz cx="9144000" cy="6858000" type="screen4x3"/>
   <p:notesSz cx="6858000" cy="9144000"/>
@@ -120,33 +120,35 @@
           <p14:sldIdLst>
             <p14:sldId id="256"/>
             <p14:sldId id="261"/>
+            <p14:sldId id="301"/>
             <p14:sldId id="274"/>
-            <p14:sldId id="275"/>
-            <p14:sldId id="276"/>
-            <p14:sldId id="277"/>
-            <p14:sldId id="278"/>
-            <p14:sldId id="279"/>
-            <p14:sldId id="280"/>
-            <p14:sldId id="281"/>
-            <p14:sldId id="282"/>
-            <p14:sldId id="283"/>
-            <p14:sldId id="284"/>
-            <p14:sldId id="285"/>
-            <p14:sldId id="286"/>
-            <p14:sldId id="288"/>
-            <p14:sldId id="287"/>
-            <p14:sldId id="291"/>
-            <p14:sldId id="289"/>
-            <p14:sldId id="292"/>
-            <p14:sldId id="290"/>
-            <p14:sldId id="293"/>
+            <p14:sldId id="304"/>
+            <p14:sldId id="305"/>
             <p14:sldId id="260"/>
           </p14:sldIdLst>
         </p14:section>
       </p14:sectionLst>
     </p:ext>
+    <p:ext uri="{EFAFB233-063F-42B5-8137-9DF3F51BA10A}">
+      <p15:sldGuideLst xmlns:p15="http://schemas.microsoft.com/office/powerpoint/2012/main">
+        <p15:guide id="1" orient="horz" pos="2160">
+          <p15:clr>
+            <a:srgbClr val="A4A3A4"/>
+          </p15:clr>
+        </p15:guide>
+        <p15:guide id="2" pos="2824">
+          <p15:clr>
+            <a:srgbClr val="A4A3A4"/>
+          </p15:clr>
+        </p15:guide>
+      </p15:sldGuideLst>
+    </p:ext>
   </p:extLst>
 </p:presentation>
+</file>
+
+<file path=ppt/revisionInfo.xml><?xml version="1.0" encoding="utf-8"?>
+<p1510:revInfo xmlns:a="http://schemas.openxmlformats.org/drawingml/2006/main" xmlns:r="http://schemas.openxmlformats.org/officeDocument/2006/relationships" xmlns:p1510="http://schemas.microsoft.com/office/powerpoint/2015/10/main"/>
 </file>
 
 <file path=ppt/notesMasters/notesMaster1.xml><?xml version="1.0" encoding="utf-8"?>
@@ -231,6 +233,7 @@
           <a:p>
             <a:fld id="{81CFF8C7-C57D-4492-855C-AD914604A572}" type="datetimeFigureOut">
               <a:rPr lang="ru-RU" smtClean="0"/>
+              <a:t>20.01.2018</a:t>
             </a:fld>
             <a:endParaRPr lang="ru-RU"/>
           </a:p>
@@ -297,7 +300,6 @@
               <a:rPr lang="ru-RU"/>
               <a:t>Образец текста</a:t>
             </a:r>
-            <a:endParaRPr lang="ru-RU"/>
           </a:p>
           <a:p>
             <a:pPr lvl="1"/>
@@ -305,7 +307,6 @@
               <a:rPr lang="ru-RU"/>
               <a:t>Второй уровень</a:t>
             </a:r>
-            <a:endParaRPr lang="ru-RU"/>
           </a:p>
           <a:p>
             <a:pPr lvl="2"/>
@@ -313,7 +314,6 @@
               <a:rPr lang="ru-RU"/>
               <a:t>Третий уровень</a:t>
             </a:r>
-            <a:endParaRPr lang="ru-RU"/>
           </a:p>
           <a:p>
             <a:pPr lvl="3"/>
@@ -321,7 +321,6 @@
               <a:rPr lang="ru-RU"/>
               <a:t>Четвертый уровень</a:t>
             </a:r>
-            <a:endParaRPr lang="ru-RU"/>
           </a:p>
           <a:p>
             <a:pPr lvl="4"/>
@@ -392,6 +391,7 @@
           <a:p>
             <a:fld id="{0CF71528-B6E9-4397-B8DB-FB98764CBEEF}" type="slidenum">
               <a:rPr lang="ru-RU" smtClean="0"/>
+              <a:t>‹#›</a:t>
             </a:fld>
             <a:endParaRPr lang="ru-RU"/>
           </a:p>
@@ -772,7 +772,6 @@
               <a:rPr lang="ru-RU" dirty="0"/>
               <a:t>Образец текста</a:t>
             </a:r>
-            <a:endParaRPr lang="ru-RU" dirty="0"/>
           </a:p>
           <a:p>
             <a:pPr lvl="1"/>
@@ -780,7 +779,6 @@
               <a:rPr lang="ru-RU" dirty="0"/>
               <a:t>Второй уровень</a:t>
             </a:r>
-            <a:endParaRPr lang="ru-RU" dirty="0"/>
           </a:p>
           <a:p>
             <a:pPr lvl="2"/>
@@ -788,7 +786,6 @@
               <a:rPr lang="ru-RU" dirty="0"/>
               <a:t>Третий уровень</a:t>
             </a:r>
-            <a:endParaRPr lang="ru-RU" dirty="0"/>
           </a:p>
           <a:p>
             <a:pPr lvl="3"/>
@@ -796,7 +793,6 @@
               <a:rPr lang="ru-RU" dirty="0"/>
               <a:t>Четвертый уровень</a:t>
             </a:r>
-            <a:endParaRPr lang="ru-RU" dirty="0"/>
           </a:p>
           <a:p>
             <a:pPr lvl="4"/>
@@ -833,6 +829,7 @@
           <a:p>
             <a:fld id="{33067CA6-2D92-4602-87FB-B81B94BA46B2}" type="slidenum">
               <a:rPr lang="ru-RU" smtClean="0"/>
+              <a:t>‹#›</a:t>
             </a:fld>
             <a:endParaRPr lang="ru-RU" dirty="0"/>
           </a:p>
@@ -1091,7 +1088,6 @@
               <a:rPr lang="ru-RU" dirty="0"/>
               <a:t>Образец текста</a:t>
             </a:r>
-            <a:endParaRPr lang="ru-RU" dirty="0"/>
           </a:p>
           <a:p>
             <a:pPr lvl="1"/>
@@ -1099,7 +1095,6 @@
               <a:rPr lang="ru-RU" dirty="0"/>
               <a:t>Второй уровень</a:t>
             </a:r>
-            <a:endParaRPr lang="ru-RU" dirty="0"/>
           </a:p>
           <a:p>
             <a:pPr lvl="2"/>
@@ -1107,7 +1102,6 @@
               <a:rPr lang="ru-RU" dirty="0"/>
               <a:t>Третий уровень</a:t>
             </a:r>
-            <a:endParaRPr lang="ru-RU" dirty="0"/>
           </a:p>
           <a:p>
             <a:pPr lvl="3"/>
@@ -1115,7 +1109,6 @@
               <a:rPr lang="ru-RU" dirty="0"/>
               <a:t>Четвертый уровень</a:t>
             </a:r>
-            <a:endParaRPr lang="ru-RU" dirty="0"/>
           </a:p>
           <a:p>
             <a:pPr lvl="4"/>
@@ -1152,6 +1145,7 @@
           <a:p>
             <a:fld id="{33067CA6-2D92-4602-87FB-B81B94BA46B2}" type="slidenum">
               <a:rPr lang="ru-RU" smtClean="0"/>
+              <a:t>‹#›</a:t>
             </a:fld>
             <a:endParaRPr lang="ru-RU" dirty="0"/>
           </a:p>
@@ -1267,6 +1261,7 @@
           <a:p>
             <a:fld id="{33067CA6-2D92-4602-87FB-B81B94BA46B2}" type="slidenum">
               <a:rPr lang="ru-RU" smtClean="0"/>
+              <a:t>‹#›</a:t>
             </a:fld>
             <a:endParaRPr lang="ru-RU" dirty="0"/>
           </a:p>
@@ -1297,7 +1292,6 @@
               <a:rPr lang="ru-RU" dirty="0"/>
               <a:t>Образец текста</a:t>
             </a:r>
-            <a:endParaRPr lang="ru-RU" dirty="0"/>
           </a:p>
           <a:p>
             <a:pPr lvl="1"/>
@@ -1305,7 +1299,6 @@
               <a:rPr lang="ru-RU" dirty="0"/>
               <a:t>Второй уровень</a:t>
             </a:r>
-            <a:endParaRPr lang="ru-RU" dirty="0"/>
           </a:p>
           <a:p>
             <a:pPr lvl="2"/>
@@ -1313,7 +1306,6 @@
               <a:rPr lang="ru-RU" dirty="0"/>
               <a:t>Третий уровень</a:t>
             </a:r>
-            <a:endParaRPr lang="ru-RU" dirty="0"/>
           </a:p>
           <a:p>
             <a:pPr lvl="3"/>
@@ -1321,7 +1313,6 @@
               <a:rPr lang="ru-RU" dirty="0"/>
               <a:t>Четвертый уровень</a:t>
             </a:r>
-            <a:endParaRPr lang="ru-RU" dirty="0"/>
           </a:p>
           <a:p>
             <a:pPr lvl="4"/>
@@ -1613,7 +1604,7 @@
     <p:bg>
       <p:bgPr>
         <a:blipFill dpi="0" rotWithShape="1">
-          <a:blip r:embed="rId6">
+          <a:blip r:embed="rId7">
             <a:lum/>
           </a:blip>
           <a:srcRect/>
@@ -1700,7 +1691,6 @@
               <a:rPr lang="ru-RU"/>
               <a:t>Образец текста</a:t>
             </a:r>
-            <a:endParaRPr lang="ru-RU"/>
           </a:p>
           <a:p>
             <a:pPr lvl="1"/>
@@ -1708,7 +1698,6 @@
               <a:rPr lang="ru-RU"/>
               <a:t>Второй уровень</a:t>
             </a:r>
-            <a:endParaRPr lang="ru-RU"/>
           </a:p>
           <a:p>
             <a:pPr lvl="2"/>
@@ -1716,7 +1705,6 @@
               <a:rPr lang="ru-RU"/>
               <a:t>Третий уровень</a:t>
             </a:r>
-            <a:endParaRPr lang="ru-RU"/>
           </a:p>
           <a:p>
             <a:pPr lvl="3"/>
@@ -1724,7 +1712,6 @@
               <a:rPr lang="ru-RU"/>
               <a:t>Четвертый уровень</a:t>
             </a:r>
-            <a:endParaRPr lang="ru-RU"/>
           </a:p>
           <a:p>
             <a:pPr lvl="4"/>
@@ -1770,6 +1757,7 @@
           <a:p>
             <a:fld id="{B3D7935A-E16E-4B6D-89BB-CEE100CDDA09}" type="datetime1">
               <a:rPr lang="ru-RU" smtClean="0"/>
+              <a:t>20.01.2018</a:t>
             </a:fld>
             <a:endParaRPr lang="ru-RU"/>
           </a:p>
@@ -1847,6 +1835,7 @@
           <a:p>
             <a:fld id="{33067CA6-2D92-4602-87FB-B81B94BA46B2}" type="slidenum">
               <a:rPr lang="ru-RU" smtClean="0"/>
+              <a:t>‹#›</a:t>
             </a:fld>
             <a:endParaRPr lang="ru-RU"/>
           </a:p>
@@ -2195,9 +2184,6 @@
               </a:rPr>
               <a:t>Герман Константинович</a:t>
             </a:r>
-            <a:endParaRPr lang="ru-RU" altLang="ru-RU" sz="2400" dirty="0">
-              <a:latin typeface="Noto Sans UI" charset="0"/>
-            </a:endParaRPr>
           </a:p>
           <a:p>
             <a:pPr algn="r"/>
@@ -2265,7 +2251,6 @@
               <a:rPr lang="x-none" altLang="ru-RU" dirty="0"/>
               <a:t>План</a:t>
             </a:r>
-            <a:endParaRPr lang="x-none" altLang="ru-RU" dirty="0"/>
           </a:p>
         </p:txBody>
       </p:sp>
@@ -2298,50 +2283,46 @@
               <a:rPr lang="x-none" altLang="ru-RU" dirty="0"/>
               <a:t>Задачи на пару:</a:t>
             </a:r>
-            <a:endParaRPr lang="x-none" altLang="ru-RU" dirty="0"/>
-          </a:p>
-          <a:p>
+          </a:p>
+          <a:p>
+            <a:pPr lvl="1"/>
             <a:r>
               <a:rPr lang="x-none" altLang="ru-RU" dirty="0"/>
               <a:t>Домашнее задание</a:t>
             </a:r>
-            <a:endParaRPr lang="x-none" altLang="ru-RU" dirty="0"/>
-          </a:p>
-          <a:p>
+          </a:p>
+          <a:p>
+            <a:pPr lvl="1"/>
             <a:r>
               <a:rPr lang="x-none" altLang="ru-RU" dirty="0">
                 <a:sym typeface="+mn-ea"/>
               </a:rPr>
               <a:t>Выборка и фильтрация</a:t>
             </a:r>
-            <a:endParaRPr lang="x-none" altLang="ru-RU" dirty="0">
-              <a:sym typeface="+mn-ea"/>
-            </a:endParaRPr>
-          </a:p>
-          <a:p>
+          </a:p>
+          <a:p>
+            <a:pPr lvl="1"/>
             <a:r>
               <a:rPr lang="x-none" altLang="ru-RU" dirty="0">
                 <a:sym typeface="+mn-ea"/>
               </a:rPr>
               <a:t>Подзапросы и их использование</a:t>
             </a:r>
-            <a:endParaRPr lang="x-none" altLang="ru-RU" dirty="0">
-              <a:sym typeface="+mn-ea"/>
-            </a:endParaRPr>
-          </a:p>
-          <a:p>
+          </a:p>
+          <a:p>
+            <a:pPr lvl="1"/>
             <a:r>
               <a:rPr lang="x-none" altLang="ru-RU" dirty="0"/>
               <a:t>Группировка значений</a:t>
             </a:r>
-            <a:endParaRPr lang="x-none" altLang="ru-RU" dirty="0"/>
-          </a:p>
-          <a:p>
+          </a:p>
+          <a:p>
+            <a:pPr lvl="1"/>
             <a:r>
               <a:rPr lang="x-none" altLang="ru-RU" dirty="0"/>
               <a:t>Фильтрация и группы</a:t>
             </a:r>
-            <a:endParaRPr lang="x-none"/>
+            <a:endParaRPr lang="x-none" dirty="0"/>
           </a:p>
         </p:txBody>
       </p:sp>
@@ -2362,6 +2343,7 @@
           <a:p>
             <a:fld id="{33067CA6-2D92-4602-87FB-B81B94BA46B2}" type="slidenum">
               <a:rPr lang="ru-RU" smtClean="0"/>
+              <a:t>2</a:t>
             </a:fld>
             <a:endParaRPr lang="ru-RU" dirty="0"/>
           </a:p>
@@ -2384,7 +2366,14 @@
         <p:cNvGrpSpPr/>
         <p:nvPr/>
       </p:nvGrpSpPr>
-      <p:grpSpPr/>
+      <p:grpSpPr>
+        <a:xfrm>
+          <a:off x="0" y="0"/>
+          <a:ext cx="0" cy="0"/>
+          <a:chOff x="0" y="0"/>
+          <a:chExt cx="0" cy="0"/>
+        </a:xfrm>
+      </p:grpSpPr>
       <p:sp>
         <p:nvSpPr>
           <p:cNvPr id="2" name="Title 1"/>
@@ -2400,12 +2389,12 @@
           <a:bodyPr>
             <a:normAutofit fontScale="90000"/>
           </a:bodyPr>
+          <a:lstStyle/>
           <a:p>
             <a:r>
               <a:rPr lang="x-none" altLang="ru-RU"/>
               <a:t>Домашнее задание</a:t>
             </a:r>
-            <a:endParaRPr lang="x-none" altLang="ru-RU"/>
           </a:p>
         </p:txBody>
       </p:sp>
@@ -2422,6 +2411,7 @@
         <p:spPr/>
         <p:txBody>
           <a:bodyPr/>
+          <a:lstStyle/>
           <a:p>
             <a:pPr marL="0" indent="0">
               <a:buNone/>
@@ -2430,7 +2420,6 @@
               <a:rPr lang="x-none" altLang="ru-RU" sz="2400"/>
               <a:t>Критерии оценки и баллы:</a:t>
             </a:r>
-            <a:endParaRPr lang="x-none" altLang="ru-RU" sz="2400"/>
           </a:p>
           <a:p>
             <a:endParaRPr lang="ru-RU" altLang="en-US" sz="2400"/>
@@ -2448,7 +2437,6 @@
               <a:rPr lang="ru-RU" altLang="en-US" sz="2400"/>
               <a:t>	2</a:t>
             </a:r>
-            <a:endParaRPr lang="ru-RU" altLang="en-US" sz="2400"/>
           </a:p>
           <a:p>
             <a:r>
@@ -2463,7 +2451,6 @@
               <a:rPr lang="ru-RU" altLang="en-US" sz="2400"/>
               <a:t>2</a:t>
             </a:r>
-            <a:endParaRPr lang="ru-RU" altLang="en-US" sz="2400"/>
           </a:p>
           <a:p>
             <a:pPr marL="0" indent="0">
@@ -2484,7 +2471,6 @@
               <a:rPr lang="ru-RU" altLang="en-US" sz="2400"/>
               <a:t>2</a:t>
             </a:r>
-            <a:endParaRPr lang="ru-RU" altLang="en-US" sz="2400"/>
           </a:p>
           <a:p>
             <a:r>
@@ -2499,7 +2485,6 @@
               <a:rPr lang="ru-RU" altLang="en-US" sz="2400"/>
               <a:t>2</a:t>
             </a:r>
-            <a:endParaRPr lang="ru-RU" altLang="en-US" sz="2400"/>
           </a:p>
         </p:txBody>
       </p:sp>
@@ -2507,14 +2492,14 @@
         <p:nvPicPr>
           <p:cNvPr id="8" name="Content Placeholder 7" descr="1428257369706"/>
           <p:cNvPicPr>
-            <a:picLocks noChangeAspect="1"/>
+            <a:picLocks noGrp="1" noChangeAspect="1"/>
           </p:cNvPicPr>
           <p:nvPr>
             <p:ph idx="13"/>
           </p:nvPr>
         </p:nvPicPr>
         <p:blipFill>
-          <a:blip r:embed="rId1"/>
+          <a:blip r:embed="rId2"/>
           <a:stretch>
             <a:fillRect/>
           </a:stretch>
@@ -2542,9 +2527,11 @@
         <p:spPr/>
         <p:txBody>
           <a:bodyPr/>
+          <a:lstStyle/>
           <a:p>
             <a:fld id="{33067CA6-2D92-4602-87FB-B81B94BA46B2}" type="slidenum">
               <a:rPr lang="ru-RU" smtClean="0"/>
+              <a:t>3</a:t>
             </a:fld>
             <a:endParaRPr lang="ru-RU" dirty="0"/>
           </a:p>
@@ -2554,14 +2541,14 @@
         <p:nvPicPr>
           <p:cNvPr id="16" name="Content Placeholder 15" descr="1480268243_5"/>
           <p:cNvPicPr>
-            <a:picLocks noChangeAspect="1"/>
+            <a:picLocks noGrp="1" noChangeAspect="1"/>
           </p:cNvPicPr>
           <p:nvPr>
             <p:ph idx="14"/>
           </p:nvPr>
         </p:nvPicPr>
         <p:blipFill>
-          <a:blip r:embed="rId2"/>
+          <a:blip r:embed="rId3"/>
           <a:stretch>
             <a:fillRect/>
           </a:stretch>
@@ -2580,14 +2567,14 @@
         <p:nvPicPr>
           <p:cNvPr id="18" name="Content Placeholder 17" descr="126717.b"/>
           <p:cNvPicPr>
-            <a:picLocks noChangeAspect="1"/>
+            <a:picLocks noGrp="1" noChangeAspect="1"/>
           </p:cNvPicPr>
           <p:nvPr>
             <p:ph idx="15"/>
           </p:nvPr>
         </p:nvPicPr>
         <p:blipFill>
-          <a:blip r:embed="rId3"/>
+          <a:blip r:embed="rId4"/>
           <a:stretch>
             <a:fillRect/>
           </a:stretch>
@@ -2676,6 +2663,7 @@
           <a:p>
             <a:fld id="{33067CA6-2D92-4602-87FB-B81B94BA46B2}" type="slidenum">
               <a:rPr lang="ru-RU" smtClean="0"/>
+              <a:t>4</a:t>
             </a:fld>
             <a:endParaRPr lang="ru-RU" dirty="0"/>
           </a:p>
@@ -2689,8 +2677,8 @@
         </p:nvSpPr>
         <p:spPr>
           <a:xfrm>
-            <a:off x="467995" y="1988820"/>
-            <a:ext cx="8246745" cy="2286000"/>
+            <a:off x="448627" y="1443841"/>
+            <a:ext cx="8246745" cy="3970318"/>
           </a:xfrm>
           <a:prstGeom prst="rect">
             <a:avLst/>
@@ -2701,28 +2689,24 @@
           <a:bodyPr wrap="square" rtlCol="0" anchor="t">
             <a:spAutoFit/>
           </a:bodyPr>
-          <a:p>
-            <a:r>
-              <a:rPr lang="ru-RU" altLang="en-US">
+          <a:lstStyle/>
+          <a:p>
+            <a:r>
+              <a:rPr lang="ru-RU" altLang="en-US" sz="2800" dirty="0">
                 <a:solidFill>
                   <a:srgbClr val="9F2D20"/>
                 </a:solidFill>
               </a:rPr>
               <a:t>SELECT</a:t>
             </a:r>
-            <a:endParaRPr lang="ru-RU" altLang="en-US">
-              <a:solidFill>
-                <a:srgbClr val="9F2D20"/>
-              </a:solidFill>
-            </a:endParaRPr>
-          </a:p>
-          <a:p>
-            <a:r>
-              <a:rPr lang="ru-RU" altLang="en-US"/>
+          </a:p>
+          <a:p>
+            <a:r>
+              <a:rPr lang="ru-RU" altLang="en-US" sz="2800" dirty="0"/>
               <a:t>  [</a:t>
             </a:r>
             <a:r>
-              <a:rPr lang="ru-RU" altLang="en-US">
+              <a:rPr lang="ru-RU" altLang="en-US" sz="2800" dirty="0">
                 <a:solidFill>
                   <a:srgbClr val="9F2D20"/>
                 </a:solidFill>
@@ -2730,11 +2714,11 @@
               <a:t>DISTINCT </a:t>
             </a:r>
             <a:r>
-              <a:rPr lang="ru-RU" altLang="en-US"/>
+              <a:rPr lang="ru-RU" altLang="en-US" sz="2800" dirty="0"/>
               <a:t>| </a:t>
             </a:r>
             <a:r>
-              <a:rPr lang="ru-RU" altLang="en-US">
+              <a:rPr lang="ru-RU" altLang="en-US" sz="2800" dirty="0">
                 <a:solidFill>
                   <a:srgbClr val="9F2D20"/>
                 </a:solidFill>
@@ -2742,11 +2726,11 @@
               <a:t>DISTINCTROW </a:t>
             </a:r>
             <a:r>
-              <a:rPr lang="ru-RU" altLang="en-US"/>
+              <a:rPr lang="ru-RU" altLang="en-US" sz="2800" dirty="0"/>
               <a:t>| </a:t>
             </a:r>
             <a:r>
-              <a:rPr lang="ru-RU" altLang="en-US">
+              <a:rPr lang="ru-RU" altLang="en-US" sz="2800" dirty="0">
                 <a:solidFill>
                   <a:srgbClr val="9F2D20"/>
                 </a:solidFill>
@@ -2754,21 +2738,27 @@
               <a:t>ALL</a:t>
             </a:r>
             <a:r>
-              <a:rPr lang="ru-RU" altLang="en-US"/>
+              <a:rPr lang="ru-RU" altLang="en-US" sz="2800" dirty="0"/>
               <a:t>]</a:t>
             </a:r>
-            <a:endParaRPr lang="ru-RU" altLang="en-US"/>
-          </a:p>
-          <a:p>
-            <a:r>
-              <a:rPr lang="ru-RU" altLang="en-US"/>
-              <a:t>  select_expression,...</a:t>
-            </a:r>
-            <a:endParaRPr lang="ru-RU" altLang="en-US"/>
-          </a:p>
-          <a:p>
-            <a:r>
-              <a:rPr lang="ru-RU" altLang="en-US">
+          </a:p>
+          <a:p>
+            <a:r>
+              <a:rPr lang="ru-RU" altLang="en-US" sz="2800" dirty="0"/>
+              <a:t>  </a:t>
+            </a:r>
+            <a:r>
+              <a:rPr lang="ru-RU" altLang="en-US" sz="2800" dirty="0" err="1"/>
+              <a:t>select_expression</a:t>
+            </a:r>
+            <a:r>
+              <a:rPr lang="ru-RU" altLang="en-US" sz="2800" dirty="0"/>
+              <a:t>,...</a:t>
+            </a:r>
+          </a:p>
+          <a:p>
+            <a:r>
+              <a:rPr lang="ru-RU" altLang="en-US" sz="2800" dirty="0">
                 <a:solidFill>
                   <a:srgbClr val="9F2D20"/>
                 </a:solidFill>
@@ -2776,18 +2766,18 @@
               <a:t>FROM </a:t>
             </a:r>
             <a:r>
-              <a:rPr lang="ru-RU" altLang="en-US"/>
+              <a:rPr lang="ru-RU" altLang="en-US" sz="2800" dirty="0" err="1"/>
               <a:t>table_references</a:t>
             </a:r>
-            <a:endParaRPr lang="ru-RU" altLang="en-US"/>
-          </a:p>
-          <a:p>
-            <a:r>
-              <a:rPr lang="ru-RU" altLang="en-US"/>
+            <a:endParaRPr lang="ru-RU" altLang="en-US" sz="2800" dirty="0"/>
+          </a:p>
+          <a:p>
+            <a:r>
+              <a:rPr lang="ru-RU" altLang="en-US" sz="2800" dirty="0"/>
               <a:t>[</a:t>
             </a:r>
             <a:r>
-              <a:rPr lang="ru-RU" altLang="en-US">
+              <a:rPr lang="ru-RU" altLang="en-US" sz="2800" dirty="0">
                 <a:solidFill>
                   <a:srgbClr val="9F2D20"/>
                 </a:solidFill>
@@ -2795,18 +2785,21 @@
               <a:t>WHERE </a:t>
             </a:r>
             <a:r>
-              <a:rPr lang="ru-RU" altLang="en-US"/>
-              <a:t>where_definition]</a:t>
-            </a:r>
-            <a:endParaRPr lang="ru-RU" altLang="en-US"/>
-          </a:p>
-          <a:p>
-            <a:r>
-              <a:rPr lang="ru-RU" altLang="en-US"/>
+              <a:rPr lang="ru-RU" altLang="en-US" sz="2800" dirty="0" err="1"/>
+              <a:t>where_definition</a:t>
+            </a:r>
+            <a:r>
+              <a:rPr lang="ru-RU" altLang="en-US" sz="2800" dirty="0"/>
+              <a:t>]</a:t>
+            </a:r>
+          </a:p>
+          <a:p>
+            <a:r>
+              <a:rPr lang="ru-RU" altLang="en-US" sz="2800" dirty="0"/>
               <a:t>[</a:t>
             </a:r>
             <a:r>
-              <a:rPr lang="ru-RU" altLang="en-US">
+              <a:rPr lang="ru-RU" altLang="en-US" sz="2800" dirty="0">
                 <a:solidFill>
                   <a:srgbClr val="9F2D20"/>
                 </a:solidFill>
@@ -2814,7 +2807,7 @@
               <a:t>GROUP </a:t>
             </a:r>
             <a:r>
-              <a:rPr lang="ru-RU" altLang="en-US">
+              <a:rPr lang="ru-RU" altLang="en-US" sz="2800" dirty="0">
                 <a:solidFill>
                   <a:srgbClr val="A02A1D"/>
                 </a:solidFill>
@@ -2822,18 +2815,41 @@
               <a:t>BY </a:t>
             </a:r>
             <a:r>
-              <a:rPr lang="ru-RU" altLang="en-US"/>
-              <a:t>{unsigned_integer | col_name | formula}]</a:t>
-            </a:r>
-            <a:endParaRPr lang="ru-RU" altLang="en-US"/>
-          </a:p>
-          <a:p>
-            <a:r>
-              <a:rPr lang="ru-RU" altLang="en-US"/>
+              <a:rPr lang="ru-RU" altLang="en-US" sz="2800" dirty="0"/>
+              <a:t>{</a:t>
+            </a:r>
+            <a:r>
+              <a:rPr lang="ru-RU" altLang="en-US" sz="2800" dirty="0" err="1"/>
+              <a:t>unsigned_integer</a:t>
+            </a:r>
+            <a:r>
+              <a:rPr lang="ru-RU" altLang="en-US" sz="2800" dirty="0"/>
+              <a:t> | </a:t>
+            </a:r>
+            <a:r>
+              <a:rPr lang="ru-RU" altLang="en-US" sz="2800" dirty="0" err="1"/>
+              <a:t>col_name</a:t>
+            </a:r>
+            <a:r>
+              <a:rPr lang="ru-RU" altLang="en-US" sz="2800" dirty="0"/>
+              <a:t> | </a:t>
+            </a:r>
+            <a:r>
+              <a:rPr lang="ru-RU" altLang="en-US" sz="2800" dirty="0" err="1"/>
+              <a:t>formula</a:t>
+            </a:r>
+            <a:r>
+              <a:rPr lang="ru-RU" altLang="en-US" sz="2800" dirty="0"/>
+              <a:t>}]</a:t>
+            </a:r>
+          </a:p>
+          <a:p>
+            <a:r>
+              <a:rPr lang="ru-RU" altLang="en-US" sz="2800" dirty="0"/>
               <a:t>[</a:t>
             </a:r>
             <a:r>
-              <a:rPr lang="ru-RU" altLang="en-US">
+              <a:rPr lang="ru-RU" altLang="en-US" sz="2800" dirty="0">
                 <a:solidFill>
                   <a:srgbClr val="9F2D20"/>
                 </a:solidFill>
@@ -2841,18 +2857,21 @@
               <a:t>HAVING </a:t>
             </a:r>
             <a:r>
-              <a:rPr lang="ru-RU" altLang="en-US"/>
-              <a:t>where_definition]</a:t>
-            </a:r>
-            <a:endParaRPr lang="ru-RU" altLang="en-US"/>
-          </a:p>
-          <a:p>
-            <a:r>
-              <a:rPr lang="ru-RU" altLang="en-US"/>
+              <a:rPr lang="ru-RU" altLang="en-US" sz="2800" dirty="0" err="1"/>
+              <a:t>where_definition</a:t>
+            </a:r>
+            <a:r>
+              <a:rPr lang="ru-RU" altLang="en-US" sz="2800" dirty="0"/>
+              <a:t>]</a:t>
+            </a:r>
+          </a:p>
+          <a:p>
+            <a:r>
+              <a:rPr lang="ru-RU" altLang="en-US" sz="2800" dirty="0"/>
               <a:t>[</a:t>
             </a:r>
             <a:r>
-              <a:rPr lang="ru-RU" altLang="en-US">
+              <a:rPr lang="ru-RU" altLang="en-US" sz="2800" dirty="0">
                 <a:solidFill>
                   <a:srgbClr val="9F2D20"/>
                 </a:solidFill>
@@ -2860,7 +2879,7 @@
               <a:t>ORDER BY</a:t>
             </a:r>
             <a:r>
-              <a:rPr lang="ru-RU" altLang="en-US">
+              <a:rPr lang="ru-RU" altLang="en-US" sz="2800" dirty="0">
                 <a:solidFill>
                   <a:srgbClr val="0070C0"/>
                 </a:solidFill>
@@ -2868,11 +2887,35 @@
               <a:t> </a:t>
             </a:r>
             <a:r>
-              <a:rPr lang="ru-RU" altLang="en-US"/>
-              <a:t>{unsigned_integer | col_name | formula} [</a:t>
-            </a:r>
-            <a:r>
-              <a:rPr lang="ru-RU" altLang="en-US">
+              <a:rPr lang="ru-RU" altLang="en-US" sz="2800" dirty="0"/>
+              <a:t>{</a:t>
+            </a:r>
+            <a:r>
+              <a:rPr lang="ru-RU" altLang="en-US" sz="2800" dirty="0" err="1"/>
+              <a:t>unsigned_integer</a:t>
+            </a:r>
+            <a:r>
+              <a:rPr lang="ru-RU" altLang="en-US" sz="2800" dirty="0"/>
+              <a:t> | </a:t>
+            </a:r>
+            <a:r>
+              <a:rPr lang="ru-RU" altLang="en-US" sz="2800" dirty="0" err="1"/>
+              <a:t>col_name</a:t>
+            </a:r>
+            <a:r>
+              <a:rPr lang="ru-RU" altLang="en-US" sz="2800" dirty="0"/>
+              <a:t> | </a:t>
+            </a:r>
+            <a:r>
+              <a:rPr lang="ru-RU" altLang="en-US" sz="2800" dirty="0" err="1"/>
+              <a:t>formula</a:t>
+            </a:r>
+            <a:r>
+              <a:rPr lang="ru-RU" altLang="en-US" sz="2800" dirty="0"/>
+              <a:t>} [</a:t>
+            </a:r>
+            <a:r>
+              <a:rPr lang="ru-RU" altLang="en-US" sz="2800" dirty="0">
                 <a:solidFill>
                   <a:srgbClr val="9F2D20"/>
                 </a:solidFill>
@@ -2880,11 +2923,11 @@
               <a:t>ASC </a:t>
             </a:r>
             <a:r>
-              <a:rPr lang="ru-RU" altLang="en-US"/>
+              <a:rPr lang="ru-RU" altLang="en-US" sz="2800" dirty="0"/>
               <a:t>| </a:t>
             </a:r>
             <a:r>
-              <a:rPr lang="ru-RU" altLang="en-US">
+              <a:rPr lang="ru-RU" altLang="en-US" sz="2800" dirty="0">
                 <a:solidFill>
                   <a:srgbClr val="9F2D20"/>
                 </a:solidFill>
@@ -2892,10 +2935,9 @@
               <a:t>DESC</a:t>
             </a:r>
             <a:r>
-              <a:rPr lang="ru-RU" altLang="en-US"/>
+              <a:rPr lang="ru-RU" altLang="en-US" sz="2800" dirty="0"/>
               <a:t>], ...]</a:t>
             </a:r>
-            <a:endParaRPr lang="ru-RU" altLang="en-US"/>
           </a:p>
         </p:txBody>
       </p:sp>
@@ -2973,6 +3015,7 @@
           <a:p>
             <a:fld id="{33067CA6-2D92-4602-87FB-B81B94BA46B2}" type="slidenum">
               <a:rPr lang="ru-RU" smtClean="0"/>
+              <a:t>5</a:t>
             </a:fld>
             <a:endParaRPr lang="ru-RU" dirty="0"/>
           </a:p>
@@ -2987,7 +3030,7 @@
         <p:spPr>
           <a:xfrm>
             <a:off x="539750" y="2060575"/>
-            <a:ext cx="8260715" cy="2011680"/>
+            <a:ext cx="8260715" cy="2677656"/>
           </a:xfrm>
           <a:prstGeom prst="rect">
             <a:avLst/>
@@ -2998,9 +3041,10 @@
           <a:bodyPr wrap="square" rtlCol="0" anchor="t">
             <a:spAutoFit/>
           </a:bodyPr>
-          <a:p>
-            <a:r>
-              <a:rPr lang="ru-RU" altLang="en-US">
+          <a:lstStyle/>
+          <a:p>
+            <a:r>
+              <a:rPr lang="ru-RU" altLang="en-US" sz="2400" dirty="0">
                 <a:solidFill>
                   <a:srgbClr val="9F2D20"/>
                 </a:solidFill>
@@ -3008,17 +3052,23 @@
               <a:t>SELECT </a:t>
             </a:r>
             <a:r>
-              <a:rPr lang="ru-RU" altLang="en-US">
+              <a:rPr lang="ru-RU" altLang="en-US" sz="2400" dirty="0" err="1">
                 <a:sym typeface="+mn-ea"/>
               </a:rPr>
-              <a:t>select_expression,...</a:t>
-            </a:r>
-            <a:r>
-              <a:rPr lang="ru-RU" altLang="en-US"/>
+              <a:t>select_expression</a:t>
+            </a:r>
+            <a:r>
+              <a:rPr lang="ru-RU" altLang="en-US" sz="2400" dirty="0">
+                <a:sym typeface="+mn-ea"/>
+              </a:rPr>
+              <a:t>,...</a:t>
+            </a:r>
+            <a:r>
+              <a:rPr lang="ru-RU" altLang="en-US" sz="2400" dirty="0"/>
               <a:t> </a:t>
             </a:r>
             <a:r>
-              <a:rPr lang="ru-RU" altLang="en-US">
+              <a:rPr lang="ru-RU" altLang="en-US" sz="2400" dirty="0">
                 <a:solidFill>
                   <a:srgbClr val="9F2D20"/>
                 </a:solidFill>
@@ -3026,17 +3076,17 @@
               <a:t>FROM </a:t>
             </a:r>
             <a:r>
-              <a:rPr lang="ru-RU" altLang="en-US">
+              <a:rPr lang="ru-RU" altLang="en-US" sz="2400" dirty="0" err="1">
                 <a:sym typeface="+mn-ea"/>
               </a:rPr>
               <a:t>table_references</a:t>
             </a:r>
             <a:r>
-              <a:rPr lang="ru-RU" altLang="en-US"/>
+              <a:rPr lang="ru-RU" altLang="en-US" sz="2400" dirty="0"/>
               <a:t> </a:t>
             </a:r>
             <a:r>
-              <a:rPr lang="ru-RU" altLang="en-US">
+              <a:rPr lang="ru-RU" altLang="en-US" sz="2400" dirty="0">
                 <a:solidFill>
                   <a:srgbClr val="9F2D20"/>
                 </a:solidFill>
@@ -3044,7 +3094,7 @@
               <a:t>WHERE </a:t>
             </a:r>
             <a:r>
-              <a:rPr lang="x-none" altLang="ru-RU">
+              <a:rPr lang="x-none" altLang="ru-RU" sz="2400" dirty="0">
                 <a:solidFill>
                   <a:schemeClr val="tx1"/>
                 </a:solidFill>
@@ -3052,30 +3102,25 @@
               <a:t>expretion_part</a:t>
             </a:r>
             <a:r>
-              <a:rPr lang="ru-RU" altLang="en-US"/>
+              <a:rPr lang="ru-RU" altLang="en-US" sz="2400" dirty="0"/>
               <a:t> </a:t>
             </a:r>
             <a:r>
-              <a:rPr lang="ru-RU" altLang="en-US">
+              <a:rPr lang="ru-RU" altLang="en-US" sz="2400" dirty="0">
                 <a:solidFill>
                   <a:srgbClr val="9F2D20"/>
                 </a:solidFill>
               </a:rPr>
               <a:t>IN</a:t>
             </a:r>
-            <a:endParaRPr lang="ru-RU" altLang="en-US">
-              <a:solidFill>
-                <a:srgbClr val="9F2D20"/>
-              </a:solidFill>
-            </a:endParaRPr>
-          </a:p>
-          <a:p>
-            <a:r>
-              <a:rPr lang="ru-RU" altLang="en-US"/>
+          </a:p>
+          <a:p>
+            <a:r>
+              <a:rPr lang="ru-RU" altLang="en-US" sz="2400" dirty="0"/>
               <a:t>       (</a:t>
             </a:r>
             <a:r>
-              <a:rPr lang="ru-RU" altLang="en-US">
+              <a:rPr lang="ru-RU" altLang="en-US" sz="2400" dirty="0">
                 <a:solidFill>
                   <a:srgbClr val="9F2D20"/>
                 </a:solidFill>
@@ -3083,17 +3128,23 @@
               <a:t>SELECT </a:t>
             </a:r>
             <a:r>
-              <a:rPr lang="ru-RU" altLang="en-US">
+              <a:rPr lang="ru-RU" altLang="en-US" sz="2400" dirty="0" err="1">
                 <a:sym typeface="+mn-ea"/>
               </a:rPr>
-              <a:t>select_expression,...</a:t>
-            </a:r>
-            <a:r>
-              <a:rPr lang="ru-RU" altLang="en-US"/>
+              <a:t>select_expression</a:t>
+            </a:r>
+            <a:r>
+              <a:rPr lang="ru-RU" altLang="en-US" sz="2400" dirty="0">
+                <a:sym typeface="+mn-ea"/>
+              </a:rPr>
+              <a:t>,...</a:t>
+            </a:r>
+            <a:r>
+              <a:rPr lang="ru-RU" altLang="en-US" sz="2400" dirty="0"/>
               <a:t> </a:t>
             </a:r>
             <a:r>
-              <a:rPr lang="ru-RU" altLang="en-US">
+              <a:rPr lang="ru-RU" altLang="en-US" sz="2400" dirty="0">
                 <a:solidFill>
                   <a:srgbClr val="9F2D20"/>
                 </a:solidFill>
@@ -3101,17 +3152,17 @@
               <a:t>FROM </a:t>
             </a:r>
             <a:r>
-              <a:rPr lang="ru-RU" altLang="en-US">
+              <a:rPr lang="ru-RU" altLang="en-US" sz="2400" dirty="0" err="1">
                 <a:sym typeface="+mn-ea"/>
               </a:rPr>
               <a:t>table_references</a:t>
             </a:r>
             <a:r>
-              <a:rPr lang="ru-RU" altLang="en-US"/>
+              <a:rPr lang="ru-RU" altLang="en-US" sz="2400" dirty="0"/>
               <a:t> </a:t>
             </a:r>
             <a:r>
-              <a:rPr lang="ru-RU" altLang="en-US">
+              <a:rPr lang="ru-RU" altLang="en-US" sz="2400" dirty="0">
                 <a:solidFill>
                   <a:srgbClr val="9F2D20"/>
                 </a:solidFill>
@@ -3119,36 +3170,31 @@
               <a:t>WHERE </a:t>
             </a:r>
             <a:r>
-              <a:rPr lang="x-none" altLang="ru-RU">
+              <a:rPr lang="x-none" altLang="ru-RU" sz="2400" dirty="0">
                 <a:sym typeface="+mn-ea"/>
               </a:rPr>
               <a:t>expretion_part</a:t>
             </a:r>
             <a:r>
-              <a:rPr lang="ru-RU" altLang="en-US"/>
+              <a:rPr lang="ru-RU" altLang="en-US" sz="2400" dirty="0"/>
               <a:t> </a:t>
             </a:r>
             <a:r>
-              <a:rPr lang="ru-RU" altLang="en-US">
+              <a:rPr lang="ru-RU" altLang="en-US" sz="2400" dirty="0">
                 <a:solidFill>
                   <a:srgbClr val="9F2D20"/>
                 </a:solidFill>
               </a:rPr>
               <a:t>IN</a:t>
             </a:r>
-            <a:endParaRPr lang="ru-RU" altLang="en-US">
-              <a:solidFill>
-                <a:srgbClr val="9F2D20"/>
-              </a:solidFill>
-            </a:endParaRPr>
-          </a:p>
-          <a:p>
-            <a:r>
-              <a:rPr lang="ru-RU" altLang="en-US"/>
+          </a:p>
+          <a:p>
+            <a:r>
+              <a:rPr lang="ru-RU" altLang="en-US" sz="2400" dirty="0"/>
               <a:t>          (</a:t>
             </a:r>
             <a:r>
-              <a:rPr lang="ru-RU" altLang="en-US">
+              <a:rPr lang="ru-RU" altLang="en-US" sz="2400" dirty="0">
                 <a:solidFill>
                   <a:srgbClr val="9F2D20"/>
                 </a:solidFill>
@@ -3156,17 +3202,23 @@
               <a:t>SELECT </a:t>
             </a:r>
             <a:r>
-              <a:rPr lang="ru-RU" altLang="en-US">
+              <a:rPr lang="ru-RU" altLang="en-US" sz="2400" dirty="0" err="1">
                 <a:sym typeface="+mn-ea"/>
               </a:rPr>
-              <a:t>select_expression,...</a:t>
-            </a:r>
-            <a:r>
-              <a:rPr lang="ru-RU" altLang="en-US"/>
+              <a:t>select_expression</a:t>
+            </a:r>
+            <a:r>
+              <a:rPr lang="ru-RU" altLang="en-US" sz="2400" dirty="0">
+                <a:sym typeface="+mn-ea"/>
+              </a:rPr>
+              <a:t>,...</a:t>
+            </a:r>
+            <a:r>
+              <a:rPr lang="ru-RU" altLang="en-US" sz="2400" dirty="0"/>
               <a:t> </a:t>
             </a:r>
             <a:r>
-              <a:rPr lang="ru-RU" altLang="en-US">
+              <a:rPr lang="ru-RU" altLang="en-US" sz="2400" dirty="0">
                 <a:solidFill>
                   <a:srgbClr val="9F2D20"/>
                 </a:solidFill>
@@ -3174,17 +3226,17 @@
               <a:t>FROM </a:t>
             </a:r>
             <a:r>
-              <a:rPr lang="ru-RU" altLang="en-US">
+              <a:rPr lang="ru-RU" altLang="en-US" sz="2400" dirty="0" err="1">
                 <a:sym typeface="+mn-ea"/>
               </a:rPr>
               <a:t>table_references</a:t>
             </a:r>
             <a:r>
-              <a:rPr lang="ru-RU" altLang="en-US"/>
+              <a:rPr lang="ru-RU" altLang="en-US" sz="2400" dirty="0"/>
               <a:t> </a:t>
             </a:r>
             <a:r>
-              <a:rPr lang="ru-RU" altLang="en-US">
+              <a:rPr lang="ru-RU" altLang="en-US" sz="2400" dirty="0">
                 <a:solidFill>
                   <a:srgbClr val="9F2D20"/>
                 </a:solidFill>
@@ -3192,23 +3244,21 @@
               <a:t>WHERE </a:t>
             </a:r>
             <a:r>
-              <a:rPr lang="ru-RU" altLang="en-US">
+              <a:rPr lang="ru-RU" altLang="en-US" sz="2400" dirty="0" err="1">
                 <a:sym typeface="+mn-ea"/>
               </a:rPr>
               <a:t>where_definition</a:t>
             </a:r>
             <a:r>
-              <a:rPr lang="ru-RU" altLang="en-US"/>
+              <a:rPr lang="ru-RU" altLang="en-US" sz="2400" dirty="0"/>
               <a:t>)</a:t>
             </a:r>
-            <a:endParaRPr lang="ru-RU" altLang="en-US"/>
-          </a:p>
-          <a:p>
-            <a:r>
-              <a:rPr lang="ru-RU" altLang="en-US"/>
+          </a:p>
+          <a:p>
+            <a:r>
+              <a:rPr lang="ru-RU" altLang="en-US" sz="2400" dirty="0"/>
               <a:t>       )</a:t>
             </a:r>
-            <a:endParaRPr lang="ru-RU" altLang="en-US"/>
           </a:p>
         </p:txBody>
       </p:sp>
@@ -3263,7 +3313,6 @@
               <a:rPr lang="x-none" altLang="en-US" sz="2800" dirty="0"/>
               <a:t>Группировка значений</a:t>
             </a:r>
-            <a:endParaRPr lang="x-none" altLang="en-US" sz="2800" dirty="0"/>
           </a:p>
         </p:txBody>
       </p:sp>
@@ -3298,13 +3347,24 @@
                   <a:srgbClr val="9F2D20"/>
                 </a:solidFill>
               </a:rPr>
-              <a:t>AVG(&lt;выражение&gt;)</a:t>
+              <a:t>AVG(&lt;</a:t>
+            </a:r>
+            <a:r>
+              <a:rPr lang="x-none" altLang="ru-RU" sz="1600" dirty="0"/>
+              <a:t>выражение</a:t>
+            </a:r>
+            <a:r>
+              <a:rPr lang="x-none" altLang="ru-RU" sz="1600" dirty="0">
+                <a:solidFill>
+                  <a:srgbClr val="9F2D20"/>
+                </a:solidFill>
+              </a:rPr>
+              <a:t>&gt;)</a:t>
             </a:r>
             <a:r>
               <a:rPr lang="x-none" altLang="ru-RU" sz="1600" dirty="0"/>
               <a:t> - арифметическое среднее для всех входных значений</a:t>
             </a:r>
-            <a:endParaRPr lang="x-none" altLang="ru-RU" sz="1600" dirty="0"/>
           </a:p>
           <a:p>
             <a:pPr marL="0" indent="0">
@@ -3332,7 +3392,6 @@
               <a:rPr lang="x-none" altLang="ru-RU" sz="1600" dirty="0"/>
               <a:t>- количество входных строк</a:t>
             </a:r>
-            <a:endParaRPr lang="x-none" altLang="ru-RU" sz="1600" dirty="0"/>
           </a:p>
           <a:p>
             <a:pPr marL="0" indent="0">
@@ -3353,7 +3412,22 @@
                 </a:solidFill>
                 <a:sym typeface="+mn-ea"/>
               </a:rPr>
-              <a:t>COUNT(&lt;выражение&gt;)</a:t>
+              <a:t>COUNT(&lt;</a:t>
+            </a:r>
+            <a:r>
+              <a:rPr lang="x-none" altLang="ru-RU" sz="1600" dirty="0">
+                <a:sym typeface="+mn-ea"/>
+              </a:rPr>
+              <a:t>выражение</a:t>
+            </a:r>
+            <a:r>
+              <a:rPr lang="x-none" altLang="ru-RU" sz="1600" dirty="0">
+                <a:solidFill>
+                  <a:srgbClr val="9F2D20"/>
+                </a:solidFill>
+                <a:sym typeface="+mn-ea"/>
+              </a:rPr>
+              <a:t>&gt;)</a:t>
             </a:r>
             <a:r>
               <a:rPr lang="ru-RU" sz="1600" dirty="0">
@@ -3367,9 +3441,6 @@
               </a:rPr>
               <a:t>- количество входных строк, для которых значение выражения не NULL</a:t>
             </a:r>
-            <a:endParaRPr lang="x-none" altLang="ru-RU" sz="1600" dirty="0">
-              <a:sym typeface="+mn-ea"/>
-            </a:endParaRPr>
           </a:p>
           <a:p>
             <a:pPr marL="0" indent="0">
@@ -3398,7 +3469,22 @@
                 </a:solidFill>
                 <a:sym typeface="+mn-ea"/>
               </a:rPr>
-              <a:t>&lt;выражение&gt;</a:t>
+              <a:t>&lt;</a:t>
+            </a:r>
+            <a:r>
+              <a:rPr lang="x-none" altLang="ru-RU" sz="1600" dirty="0">
+                <a:sym typeface="+mn-ea"/>
+              </a:rPr>
+              <a:t>выражение</a:t>
+            </a:r>
+            <a:r>
+              <a:rPr lang="x-none" altLang="ru-RU" sz="1600" dirty="0">
+                <a:solidFill>
+                  <a:srgbClr val="9F2D20"/>
+                </a:solidFill>
+                <a:sym typeface="+mn-ea"/>
+              </a:rPr>
+              <a:t>&gt;</a:t>
             </a:r>
             <a:r>
               <a:rPr lang="x-none" altLang="ru-RU" sz="1600" dirty="0">
@@ -3412,7 +3498,6 @@
               <a:rPr lang="x-none" altLang="ru-RU" sz="1600" dirty="0"/>
               <a:t> - побитовое И для всех входных значений, не равных NULL</a:t>
             </a:r>
-            <a:endParaRPr lang="x-none" altLang="ru-RU" sz="1600" dirty="0"/>
           </a:p>
           <a:p>
             <a:pPr marL="0" indent="0">
@@ -3439,7 +3524,22 @@
                 </a:solidFill>
                 <a:sym typeface="+mn-ea"/>
               </a:rPr>
-              <a:t>&lt;выражение&gt;</a:t>
+              <a:t>&lt;</a:t>
+            </a:r>
+            <a:r>
+              <a:rPr lang="x-none" altLang="ru-RU" sz="1600" dirty="0">
+                <a:sym typeface="+mn-ea"/>
+              </a:rPr>
+              <a:t>выражение</a:t>
+            </a:r>
+            <a:r>
+              <a:rPr lang="x-none" altLang="ru-RU" sz="1600" dirty="0">
+                <a:solidFill>
+                  <a:srgbClr val="9F2D20"/>
+                </a:solidFill>
+                <a:sym typeface="+mn-ea"/>
+              </a:rPr>
+              <a:t>&gt;</a:t>
             </a:r>
             <a:r>
               <a:rPr lang="x-none" altLang="ru-RU" sz="1600" dirty="0">
@@ -3453,7 +3553,6 @@
               <a:rPr lang="x-none" altLang="ru-RU" sz="1600" dirty="0"/>
               <a:t> - максимальное значение выражения среди всех входных данных</a:t>
             </a:r>
-            <a:endParaRPr lang="x-none" altLang="ru-RU" sz="1600" dirty="0"/>
           </a:p>
           <a:p>
             <a:pPr marL="0" indent="0">
@@ -3480,7 +3579,22 @@
                 </a:solidFill>
                 <a:sym typeface="+mn-ea"/>
               </a:rPr>
-              <a:t>&lt;выражение&gt;</a:t>
+              <a:t>&lt;</a:t>
+            </a:r>
+            <a:r>
+              <a:rPr lang="x-none" altLang="ru-RU" sz="1600" dirty="0">
+                <a:sym typeface="+mn-ea"/>
+              </a:rPr>
+              <a:t>выражение</a:t>
+            </a:r>
+            <a:r>
+              <a:rPr lang="x-none" altLang="ru-RU" sz="1600" dirty="0">
+                <a:solidFill>
+                  <a:srgbClr val="9F2D20"/>
+                </a:solidFill>
+                <a:sym typeface="+mn-ea"/>
+              </a:rPr>
+              <a:t>&gt;</a:t>
             </a:r>
             <a:r>
               <a:rPr lang="x-none" altLang="ru-RU" sz="1600" dirty="0">
@@ -3494,7 +3608,6 @@
               <a:rPr lang="x-none" altLang="ru-RU" sz="1600" dirty="0"/>
               <a:t> - минимальное значение выражения среди всех входных данных</a:t>
             </a:r>
-            <a:endParaRPr lang="x-none" altLang="ru-RU" sz="1600" dirty="0"/>
           </a:p>
           <a:p>
             <a:pPr marL="0" indent="0">
@@ -3521,7 +3634,22 @@
                 </a:solidFill>
                 <a:sym typeface="+mn-ea"/>
               </a:rPr>
-              <a:t>&lt;выражение&gt;</a:t>
+              <a:t>&lt;</a:t>
+            </a:r>
+            <a:r>
+              <a:rPr lang="x-none" altLang="ru-RU" sz="1600" dirty="0">
+                <a:sym typeface="+mn-ea"/>
+              </a:rPr>
+              <a:t>выражение</a:t>
+            </a:r>
+            <a:r>
+              <a:rPr lang="x-none" altLang="ru-RU" sz="1600" dirty="0">
+                <a:solidFill>
+                  <a:srgbClr val="9F2D20"/>
+                </a:solidFill>
+                <a:sym typeface="+mn-ea"/>
+              </a:rPr>
+              <a:t>&gt;</a:t>
             </a:r>
             <a:r>
               <a:rPr lang="x-none" altLang="ru-RU" sz="1600" dirty="0">
@@ -3535,7 +3663,6 @@
               <a:rPr lang="x-none" altLang="ru-RU" sz="1600" dirty="0"/>
               <a:t> - сумма значений выражения по всем входным данным</a:t>
             </a:r>
-            <a:endParaRPr lang="x-none" altLang="ru-RU" sz="1600" dirty="0"/>
           </a:p>
         </p:txBody>
       </p:sp>
@@ -3556,6 +3683,7 @@
           <a:p>
             <a:fld id="{33067CA6-2D92-4602-87FB-B81B94BA46B2}" type="slidenum">
               <a:rPr lang="ru-RU" smtClean="0"/>
+              <a:t>6</a:t>
             </a:fld>
             <a:endParaRPr lang="ru-RU" dirty="0"/>
           </a:p>
